--- a/Lesson12.pptx
+++ b/Lesson12.pptx
@@ -16,7 +16,8 @@
     <p:sldId id="265" r:id="rId10"/>
     <p:sldId id="266" r:id="rId11"/>
     <p:sldId id="268" r:id="rId12"/>
-    <p:sldId id="269" r:id="rId13"/>
+    <p:sldId id="270" r:id="rId13"/>
+    <p:sldId id="269" r:id="rId14"/>
   </p:sldIdLst>
   <p:sldSz cx="12192000" cy="6858000"/>
   <p:notesSz cx="6858000" cy="9144000"/>
@@ -126,6 +127,8 @@
 <file path=ppt/revisionInfo.xml><?xml version="1.0" encoding="utf-8"?>
 <p1510:revInfo xmlns:a="http://schemas.openxmlformats.org/drawingml/2006/main" xmlns:r="http://schemas.openxmlformats.org/officeDocument/2006/relationships" xmlns:p1510="http://schemas.microsoft.com/office/powerpoint/2015/10/main">
   <p1510:revLst>
+    <p1510:client id="{4EEB76D3-0409-469E-8F90-202FBDB17CCD}" v="142" dt="2020-11-07T22:47:51.279"/>
+    <p1510:client id="{50A91087-BF47-4C3A-B53C-251763239676}" v="3" dt="2020-11-08T20:48:25.239"/>
     <p1510:client id="{809AFDEC-FFB7-4939-7506-57C05092A87F}" v="1711" dt="2020-08-29T10:11:23.082"/>
     <p1510:client id="{8819070A-0F9B-48C4-A8D9-B543C580BF44}" v="225" dt="2020-08-16T14:39:26.482"/>
     <p1510:client id="{89A11481-7F15-4382-B5C2-7B2AB3903761}" v="1159" dt="2020-09-01T15:16:52.105"/>
@@ -263,7 +266,7 @@
           <a:p>
             <a:fld id="{1A2F0B57-8E6A-4005-9EDD-D258F6CC94AB}" type="datetimeFigureOut">
               <a:rPr lang="uk-UA" smtClean="0"/>
-              <a:t>01.09.2020</a:t>
+              <a:t>12.11.2020</a:t>
             </a:fld>
             <a:endParaRPr lang="uk-UA"/>
           </a:p>
@@ -305,7 +308,7 @@
           <a:p>
             <a:fld id="{6CB18C70-803E-428A-BAB3-289BE172EF8D}" type="slidenum">
               <a:rPr lang="uk-UA" smtClean="0"/>
-              <a:t>‹№›</a:t>
+              <a:t>‹#›</a:t>
             </a:fld>
             <a:endParaRPr lang="uk-UA"/>
           </a:p>
@@ -431,7 +434,7 @@
           <a:p>
             <a:fld id="{1A2F0B57-8E6A-4005-9EDD-D258F6CC94AB}" type="datetimeFigureOut">
               <a:rPr lang="uk-UA" smtClean="0"/>
-              <a:t>01.09.2020</a:t>
+              <a:t>12.11.2020</a:t>
             </a:fld>
             <a:endParaRPr lang="uk-UA"/>
           </a:p>
@@ -473,7 +476,7 @@
           <a:p>
             <a:fld id="{6CB18C70-803E-428A-BAB3-289BE172EF8D}" type="slidenum">
               <a:rPr lang="uk-UA" smtClean="0"/>
-              <a:t>‹№›</a:t>
+              <a:t>‹#›</a:t>
             </a:fld>
             <a:endParaRPr lang="uk-UA"/>
           </a:p>
@@ -609,7 +612,7 @@
           <a:p>
             <a:fld id="{1A2F0B57-8E6A-4005-9EDD-D258F6CC94AB}" type="datetimeFigureOut">
               <a:rPr lang="uk-UA" smtClean="0"/>
-              <a:t>01.09.2020</a:t>
+              <a:t>12.11.2020</a:t>
             </a:fld>
             <a:endParaRPr lang="uk-UA"/>
           </a:p>
@@ -651,7 +654,7 @@
           <a:p>
             <a:fld id="{6CB18C70-803E-428A-BAB3-289BE172EF8D}" type="slidenum">
               <a:rPr lang="uk-UA" smtClean="0"/>
-              <a:t>‹№›</a:t>
+              <a:t>‹#›</a:t>
             </a:fld>
             <a:endParaRPr lang="uk-UA"/>
           </a:p>
@@ -777,7 +780,7 @@
           <a:p>
             <a:fld id="{1A2F0B57-8E6A-4005-9EDD-D258F6CC94AB}" type="datetimeFigureOut">
               <a:rPr lang="uk-UA" smtClean="0"/>
-              <a:t>01.09.2020</a:t>
+              <a:t>12.11.2020</a:t>
             </a:fld>
             <a:endParaRPr lang="uk-UA"/>
           </a:p>
@@ -819,7 +822,7 @@
           <a:p>
             <a:fld id="{6CB18C70-803E-428A-BAB3-289BE172EF8D}" type="slidenum">
               <a:rPr lang="uk-UA" smtClean="0"/>
-              <a:t>‹№›</a:t>
+              <a:t>‹#›</a:t>
             </a:fld>
             <a:endParaRPr lang="uk-UA"/>
           </a:p>
@@ -1022,7 +1025,7 @@
           <a:p>
             <a:fld id="{1A2F0B57-8E6A-4005-9EDD-D258F6CC94AB}" type="datetimeFigureOut">
               <a:rPr lang="uk-UA" smtClean="0"/>
-              <a:t>01.09.2020</a:t>
+              <a:t>12.11.2020</a:t>
             </a:fld>
             <a:endParaRPr lang="uk-UA"/>
           </a:p>
@@ -1064,7 +1067,7 @@
           <a:p>
             <a:fld id="{6CB18C70-803E-428A-BAB3-289BE172EF8D}" type="slidenum">
               <a:rPr lang="uk-UA" smtClean="0"/>
-              <a:t>‹№›</a:t>
+              <a:t>‹#›</a:t>
             </a:fld>
             <a:endParaRPr lang="uk-UA"/>
           </a:p>
@@ -1251,7 +1254,7 @@
           <a:p>
             <a:fld id="{1A2F0B57-8E6A-4005-9EDD-D258F6CC94AB}" type="datetimeFigureOut">
               <a:rPr lang="uk-UA" smtClean="0"/>
-              <a:t>01.09.2020</a:t>
+              <a:t>12.11.2020</a:t>
             </a:fld>
             <a:endParaRPr lang="uk-UA"/>
           </a:p>
@@ -1293,7 +1296,7 @@
           <a:p>
             <a:fld id="{6CB18C70-803E-428A-BAB3-289BE172EF8D}" type="slidenum">
               <a:rPr lang="uk-UA" smtClean="0"/>
-              <a:t>‹№›</a:t>
+              <a:t>‹#›</a:t>
             </a:fld>
             <a:endParaRPr lang="uk-UA"/>
           </a:p>
@@ -1615,7 +1618,7 @@
           <a:p>
             <a:fld id="{1A2F0B57-8E6A-4005-9EDD-D258F6CC94AB}" type="datetimeFigureOut">
               <a:rPr lang="uk-UA" smtClean="0"/>
-              <a:t>01.09.2020</a:t>
+              <a:t>12.11.2020</a:t>
             </a:fld>
             <a:endParaRPr lang="uk-UA"/>
           </a:p>
@@ -1657,7 +1660,7 @@
           <a:p>
             <a:fld id="{6CB18C70-803E-428A-BAB3-289BE172EF8D}" type="slidenum">
               <a:rPr lang="uk-UA" smtClean="0"/>
-              <a:t>‹№›</a:t>
+              <a:t>‹#›</a:t>
             </a:fld>
             <a:endParaRPr lang="uk-UA"/>
           </a:p>
@@ -1732,7 +1735,7 @@
           <a:p>
             <a:fld id="{1A2F0B57-8E6A-4005-9EDD-D258F6CC94AB}" type="datetimeFigureOut">
               <a:rPr lang="uk-UA" smtClean="0"/>
-              <a:t>01.09.2020</a:t>
+              <a:t>12.11.2020</a:t>
             </a:fld>
             <a:endParaRPr lang="uk-UA"/>
           </a:p>
@@ -1774,7 +1777,7 @@
           <a:p>
             <a:fld id="{6CB18C70-803E-428A-BAB3-289BE172EF8D}" type="slidenum">
               <a:rPr lang="uk-UA" smtClean="0"/>
-              <a:t>‹№›</a:t>
+              <a:t>‹#›</a:t>
             </a:fld>
             <a:endParaRPr lang="uk-UA"/>
           </a:p>
@@ -1827,7 +1830,7 @@
           <a:p>
             <a:fld id="{1A2F0B57-8E6A-4005-9EDD-D258F6CC94AB}" type="datetimeFigureOut">
               <a:rPr lang="uk-UA" smtClean="0"/>
-              <a:t>01.09.2020</a:t>
+              <a:t>12.11.2020</a:t>
             </a:fld>
             <a:endParaRPr lang="uk-UA"/>
           </a:p>
@@ -1869,7 +1872,7 @@
           <a:p>
             <a:fld id="{6CB18C70-803E-428A-BAB3-289BE172EF8D}" type="slidenum">
               <a:rPr lang="uk-UA" smtClean="0"/>
-              <a:t>‹№›</a:t>
+              <a:t>‹#›</a:t>
             </a:fld>
             <a:endParaRPr lang="uk-UA"/>
           </a:p>
@@ -2102,7 +2105,7 @@
           <a:p>
             <a:fld id="{1A2F0B57-8E6A-4005-9EDD-D258F6CC94AB}" type="datetimeFigureOut">
               <a:rPr lang="uk-UA" smtClean="0"/>
-              <a:t>01.09.2020</a:t>
+              <a:t>12.11.2020</a:t>
             </a:fld>
             <a:endParaRPr lang="uk-UA"/>
           </a:p>
@@ -2144,7 +2147,7 @@
           <a:p>
             <a:fld id="{6CB18C70-803E-428A-BAB3-289BE172EF8D}" type="slidenum">
               <a:rPr lang="uk-UA" smtClean="0"/>
-              <a:t>‹№›</a:t>
+              <a:t>‹#›</a:t>
             </a:fld>
             <a:endParaRPr lang="uk-UA"/>
           </a:p>
@@ -2354,7 +2357,7 @@
           <a:p>
             <a:fld id="{1A2F0B57-8E6A-4005-9EDD-D258F6CC94AB}" type="datetimeFigureOut">
               <a:rPr lang="uk-UA" smtClean="0"/>
-              <a:t>01.09.2020</a:t>
+              <a:t>12.11.2020</a:t>
             </a:fld>
             <a:endParaRPr lang="uk-UA"/>
           </a:p>
@@ -2396,7 +2399,7 @@
           <a:p>
             <a:fld id="{6CB18C70-803E-428A-BAB3-289BE172EF8D}" type="slidenum">
               <a:rPr lang="uk-UA" smtClean="0"/>
-              <a:t>‹№›</a:t>
+              <a:t>‹#›</a:t>
             </a:fld>
             <a:endParaRPr lang="uk-UA"/>
           </a:p>
@@ -2565,7 +2568,7 @@
           <a:p>
             <a:fld id="{1A2F0B57-8E6A-4005-9EDD-D258F6CC94AB}" type="datetimeFigureOut">
               <a:rPr lang="uk-UA" smtClean="0"/>
-              <a:t>01.09.2020</a:t>
+              <a:t>12.11.2020</a:t>
             </a:fld>
             <a:endParaRPr lang="uk-UA"/>
           </a:p>
@@ -2643,7 +2646,7 @@
           <a:p>
             <a:fld id="{6CB18C70-803E-428A-BAB3-289BE172EF8D}" type="slidenum">
               <a:rPr lang="uk-UA" smtClean="0"/>
-              <a:t>‹№›</a:t>
+              <a:t>‹#›</a:t>
             </a:fld>
             <a:endParaRPr lang="uk-UA"/>
           </a:p>
@@ -3689,6 +3692,36 @@
           </a:prstGeom>
         </p:spPr>
       </p:pic>
+      <p:pic>
+        <p:nvPicPr>
+          <p:cNvPr id="6" name="Рисунок 6">
+            <a:extLst>
+              <a:ext uri="{FF2B5EF4-FFF2-40B4-BE49-F238E27FC236}">
+                <a16:creationId xmlns:a16="http://schemas.microsoft.com/office/drawing/2014/main" id="{8348BBD1-5851-425D-A3A3-ABA8C5447950}"/>
+              </a:ext>
+            </a:extLst>
+          </p:cNvPr>
+          <p:cNvPicPr>
+            <a:picLocks noChangeAspect="1"/>
+          </p:cNvPicPr>
+          <p:nvPr/>
+        </p:nvPicPr>
+        <p:blipFill>
+          <a:blip r:embed="rId4"/>
+          <a:stretch>
+            <a:fillRect/>
+          </a:stretch>
+        </p:blipFill>
+        <p:spPr>
+          <a:xfrm>
+            <a:off x="10900121" y="428211"/>
+            <a:ext cx="595934" cy="493644"/>
+          </a:xfrm>
+          <a:prstGeom prst="rect">
+            <a:avLst/>
+          </a:prstGeom>
+        </p:spPr>
+      </p:pic>
     </p:spTree>
     <p:extLst>
       <p:ext uri="{BB962C8B-B14F-4D97-AF65-F5344CB8AC3E}">
@@ -3789,8 +3822,8 @@
         </p:nvSpPr>
         <p:spPr>
           <a:xfrm>
-            <a:off x="838200" y="1063626"/>
-            <a:ext cx="10515600" cy="5113337"/>
+            <a:off x="838200" y="1178812"/>
+            <a:ext cx="10515600" cy="4998151"/>
           </a:xfrm>
         </p:spPr>
         <p:txBody>
@@ -3800,66 +3833,138 @@
           <a:lstStyle/>
           <a:p>
             <a:r>
-              <a:rPr lang="uk-UA" sz="2000">
+              <a:rPr lang="uk-UA" sz="1800" dirty="0">
                 <a:ea typeface="+mn-lt"/>
                 <a:cs typeface="+mn-lt"/>
               </a:rPr>
               <a:t>Дозволяє використовувати поліморфізм.</a:t>
             </a:r>
-            <a:endParaRPr lang="uk-UA" sz="2000" dirty="0">
-              <a:ea typeface="+mn-lt"/>
-              <a:cs typeface="+mn-lt"/>
-            </a:endParaRPr>
-          </a:p>
-          <a:p>
-            <a:r>
-              <a:rPr lang="uk-UA" sz="2000" dirty="0">
+          </a:p>
+          <a:p>
+            <a:r>
+              <a:rPr lang="uk-UA" sz="1800" dirty="0">
                 <a:ea typeface="+mn-lt"/>
                 <a:cs typeface="+mn-lt"/>
               </a:rPr>
-              <a:t>Покращує розширення програми,</a:t>
-            </a:r>
-            <a:r>
-              <a:rPr lang="uk-UA" sz="2000">
+              <a:t>Покращує розширення програми, заміну існуючого функціоналу. </a:t>
+            </a:r>
+          </a:p>
+          <a:p>
+            <a:r>
+              <a:rPr lang="uk-UA" sz="1800" dirty="0">
                 <a:ea typeface="+mn-lt"/>
                 <a:cs typeface="+mn-lt"/>
               </a:rPr>
-              <a:t> заміну існуючого функціоналу. </a:t>
-            </a:r>
-          </a:p>
-          <a:p>
-            <a:r>
-              <a:rPr lang="uk-UA" sz="2000" dirty="0">
+              <a:t>Ослаблення зв'язку між класами. Що дозволяє легко заміняти існуючу реалізацію.</a:t>
+            </a:r>
+            <a:endParaRPr lang="uk-UA" sz="1800" dirty="0">
+              <a:cs typeface="Calibri"/>
+            </a:endParaRPr>
+          </a:p>
+          <a:p>
+            <a:r>
+              <a:rPr lang="uk-UA" sz="1800" dirty="0">
                 <a:ea typeface="+mn-lt"/>
                 <a:cs typeface="+mn-lt"/>
               </a:rPr>
-              <a:t>Ослаблення</a:t>
-            </a:r>
-            <a:r>
-              <a:rPr lang="uk-UA" sz="2000">
-                <a:ea typeface="+mn-lt"/>
-                <a:cs typeface="+mn-lt"/>
-              </a:rPr>
-              <a:t> зв'язку між класами. Що дозволяє легко заміняти існуючу реалізацію.</a:t>
-            </a:r>
-            <a:endParaRPr lang="uk-UA" sz="2000">
+              <a:t>Покращує тестування.</a:t>
+            </a:r>
+            <a:endParaRPr lang="uk-UA" sz="1800" dirty="0">
               <a:cs typeface="Calibri"/>
             </a:endParaRPr>
           </a:p>
-          <a:p>
-            <a:r>
-              <a:rPr lang="uk-UA" sz="2000">
-                <a:ea typeface="+mn-lt"/>
-                <a:cs typeface="+mn-lt"/>
-              </a:rPr>
-              <a:t>Покращує тестування.</a:t>
-            </a:r>
-            <a:endParaRPr lang="uk-UA" sz="2000">
-              <a:cs typeface="Calibri"/>
-            </a:endParaRPr>
-          </a:p>
         </p:txBody>
       </p:sp>
+      <p:pic>
+        <p:nvPicPr>
+          <p:cNvPr id="4" name="Рисунок 4" descr="Зображення, що містить дзеркало&#10;&#10;Опис створено автоматично">
+            <a:extLst>
+              <a:ext uri="{FF2B5EF4-FFF2-40B4-BE49-F238E27FC236}">
+                <a16:creationId xmlns:a16="http://schemas.microsoft.com/office/drawing/2014/main" id="{5104436C-444C-4214-A786-BFCBC9FA198F}"/>
+              </a:ext>
+            </a:extLst>
+          </p:cNvPr>
+          <p:cNvPicPr>
+            <a:picLocks noChangeAspect="1"/>
+          </p:cNvPicPr>
+          <p:nvPr/>
+        </p:nvPicPr>
+        <p:blipFill>
+          <a:blip r:embed="rId2"/>
+          <a:stretch>
+            <a:fillRect/>
+          </a:stretch>
+        </p:blipFill>
+        <p:spPr>
+          <a:xfrm>
+            <a:off x="837017" y="5314793"/>
+            <a:ext cx="1057275" cy="1057275"/>
+          </a:xfrm>
+          <a:prstGeom prst="rect">
+            <a:avLst/>
+          </a:prstGeom>
+        </p:spPr>
+      </p:pic>
+      <p:pic>
+        <p:nvPicPr>
+          <p:cNvPr id="5" name="Рисунок 5" descr="Зображення, що містить текст&#10;&#10;Опис створено автоматично">
+            <a:extLst>
+              <a:ext uri="{FF2B5EF4-FFF2-40B4-BE49-F238E27FC236}">
+                <a16:creationId xmlns:a16="http://schemas.microsoft.com/office/drawing/2014/main" id="{326F7AE3-16BB-4792-90A1-1D8D306E8D85}"/>
+              </a:ext>
+            </a:extLst>
+          </p:cNvPr>
+          <p:cNvPicPr>
+            <a:picLocks noChangeAspect="1"/>
+          </p:cNvPicPr>
+          <p:nvPr/>
+        </p:nvPicPr>
+        <p:blipFill>
+          <a:blip r:embed="rId3"/>
+          <a:stretch>
+            <a:fillRect/>
+          </a:stretch>
+        </p:blipFill>
+        <p:spPr>
+          <a:xfrm>
+            <a:off x="10154579" y="369384"/>
+            <a:ext cx="1323975" cy="561975"/>
+          </a:xfrm>
+          <a:prstGeom prst="rect">
+            <a:avLst/>
+          </a:prstGeom>
+        </p:spPr>
+      </p:pic>
+      <p:pic>
+        <p:nvPicPr>
+          <p:cNvPr id="6" name="Рисунок 6">
+            <a:extLst>
+              <a:ext uri="{FF2B5EF4-FFF2-40B4-BE49-F238E27FC236}">
+                <a16:creationId xmlns:a16="http://schemas.microsoft.com/office/drawing/2014/main" id="{CB1BAA15-0FCC-41FE-A124-FA49BB2A2461}"/>
+              </a:ext>
+            </a:extLst>
+          </p:cNvPr>
+          <p:cNvPicPr>
+            <a:picLocks noChangeAspect="1"/>
+          </p:cNvPicPr>
+          <p:nvPr/>
+        </p:nvPicPr>
+        <p:blipFill>
+          <a:blip r:embed="rId4"/>
+          <a:stretch>
+            <a:fillRect/>
+          </a:stretch>
+        </p:blipFill>
+        <p:spPr>
+          <a:xfrm>
+            <a:off x="8596423" y="4754292"/>
+            <a:ext cx="2743200" cy="1655602"/>
+          </a:xfrm>
+          <a:prstGeom prst="rect">
+            <a:avLst/>
+          </a:prstGeom>
+        </p:spPr>
+      </p:pic>
     </p:spTree>
     <p:extLst>
       <p:ext uri="{BB962C8B-B14F-4D97-AF65-F5344CB8AC3E}">
@@ -3874,6 +3979,134 @@
 </file>
 
 <file path=ppt/slides/slide12.xml><?xml version="1.0" encoding="utf-8"?>
+<p:sld xmlns:a="http://schemas.openxmlformats.org/drawingml/2006/main" xmlns:r="http://schemas.openxmlformats.org/officeDocument/2006/relationships" xmlns:p="http://schemas.openxmlformats.org/presentationml/2006/main">
+  <p:cSld>
+    <p:spTree>
+      <p:nvGrpSpPr>
+        <p:cNvPr id="1" name=""/>
+        <p:cNvGrpSpPr/>
+        <p:nvPr/>
+      </p:nvGrpSpPr>
+      <p:grpSpPr>
+        <a:xfrm>
+          <a:off x="0" y="0"/>
+          <a:ext cx="0" cy="0"/>
+          <a:chOff x="0" y="0"/>
+          <a:chExt cx="0" cy="0"/>
+        </a:xfrm>
+      </p:grpSpPr>
+      <p:sp>
+        <p:nvSpPr>
+          <p:cNvPr id="4" name="Заголовок 1">
+            <a:extLst>
+              <a:ext uri="{FF2B5EF4-FFF2-40B4-BE49-F238E27FC236}">
+                <a16:creationId xmlns:a16="http://schemas.microsoft.com/office/drawing/2014/main" id="{4474A537-34DC-4FA7-B94B-382506597B80}"/>
+              </a:ext>
+            </a:extLst>
+          </p:cNvPr>
+          <p:cNvSpPr>
+            <a:spLocks noGrp="1"/>
+          </p:cNvSpPr>
+          <p:nvPr/>
+        </p:nvSpPr>
+        <p:spPr>
+          <a:xfrm>
+            <a:off x="838200" y="365125"/>
+            <a:ext cx="10515600" cy="620008"/>
+          </a:xfrm>
+          <a:prstGeom prst="rect">
+            <a:avLst/>
+          </a:prstGeom>
+        </p:spPr>
+        <p:txBody>
+          <a:bodyPr vert="horz" lIns="91440" tIns="45720" rIns="91440" bIns="45720" rtlCol="0" anchor="ctr">
+            <a:normAutofit/>
+          </a:bodyPr>
+          <a:lstStyle>
+            <a:lvl1pPr algn="l" defTabSz="914400" rtl="0" eaLnBrk="1" latinLnBrk="0" hangingPunct="1">
+              <a:lnSpc>
+                <a:spcPct val="90000"/>
+              </a:lnSpc>
+              <a:spcBef>
+                <a:spcPct val="0"/>
+              </a:spcBef>
+              <a:buNone/>
+              <a:defRPr sz="4400" kern="1200">
+                <a:solidFill>
+                  <a:schemeClr val="tx1"/>
+                </a:solidFill>
+                <a:latin typeface="+mj-lt"/>
+                <a:ea typeface="+mj-ea"/>
+                <a:cs typeface="+mj-cs"/>
+              </a:defRPr>
+            </a:lvl1pPr>
+          </a:lstStyle>
+          <a:p>
+            <a:r>
+              <a:rPr lang="uk-UA" sz="3200" dirty="0">
+                <a:latin typeface="Calibri"/>
+                <a:cs typeface="Calibri"/>
+              </a:rPr>
+              <a:t>Приклади / </a:t>
+            </a:r>
+            <a:r>
+              <a:rPr lang="uk-UA" sz="3200" dirty="0" err="1">
+                <a:latin typeface="Calibri"/>
+                <a:cs typeface="Calibri"/>
+              </a:rPr>
+              <a:t>Examples</a:t>
+            </a:r>
+            <a:endParaRPr lang="uk-UA" sz="3200">
+              <a:latin typeface="Calibri"/>
+              <a:cs typeface="Calibri"/>
+            </a:endParaRPr>
+          </a:p>
+        </p:txBody>
+      </p:sp>
+      <p:pic>
+        <p:nvPicPr>
+          <p:cNvPr id="6" name="Рисунок 6" descr="Зображення, що містить текст, знак, малювання, вулиця&#10;&#10;Опис створено автоматично">
+            <a:extLst>
+              <a:ext uri="{FF2B5EF4-FFF2-40B4-BE49-F238E27FC236}">
+                <a16:creationId xmlns:a16="http://schemas.microsoft.com/office/drawing/2014/main" id="{6A11B4A5-3443-4006-8F07-92836117872C}"/>
+              </a:ext>
+            </a:extLst>
+          </p:cNvPr>
+          <p:cNvPicPr>
+            <a:picLocks noChangeAspect="1"/>
+          </p:cNvPicPr>
+          <p:nvPr/>
+        </p:nvPicPr>
+        <p:blipFill>
+          <a:blip r:embed="rId2"/>
+          <a:stretch>
+            <a:fillRect/>
+          </a:stretch>
+        </p:blipFill>
+        <p:spPr>
+          <a:xfrm>
+            <a:off x="3540868" y="2815510"/>
+            <a:ext cx="4737370" cy="1899811"/>
+          </a:xfrm>
+          <a:prstGeom prst="rect">
+            <a:avLst/>
+          </a:prstGeom>
+        </p:spPr>
+      </p:pic>
+    </p:spTree>
+    <p:extLst>
+      <p:ext uri="{BB962C8B-B14F-4D97-AF65-F5344CB8AC3E}">
+        <p14:creationId xmlns:p14="http://schemas.microsoft.com/office/powerpoint/2010/main" val="3071296029"/>
+      </p:ext>
+    </p:extLst>
+  </p:cSld>
+  <p:clrMapOvr>
+    <a:masterClrMapping/>
+  </p:clrMapOvr>
+</p:sld>
+</file>
+
+<file path=ppt/slides/slide13.xml><?xml version="1.0" encoding="utf-8"?>
 <p:sld xmlns:a="http://schemas.openxmlformats.org/drawingml/2006/main" xmlns:r="http://schemas.openxmlformats.org/officeDocument/2006/relationships" xmlns:p="http://schemas.openxmlformats.org/presentationml/2006/main">
   <p:cSld>
     <p:spTree>
@@ -6647,8 +6880,8 @@
         </p:nvSpPr>
         <p:spPr>
           <a:xfrm>
-            <a:off x="838200" y="1131864"/>
-            <a:ext cx="10515600" cy="5045099"/>
+            <a:off x="838200" y="1206407"/>
+            <a:ext cx="10515600" cy="4970556"/>
           </a:xfrm>
         </p:spPr>
         <p:txBody>
@@ -6661,13 +6894,18 @@
               <a:buNone/>
             </a:pPr>
             <a:r>
-              <a:rPr lang="uk-UA" sz="2000" dirty="0">
+              <a:rPr lang="uk-UA" sz="1800" dirty="0">
                 <a:ea typeface="+mn-lt"/>
                 <a:cs typeface="+mn-lt"/>
               </a:rPr>
               <a:t>Абстракція в об'єктно-орієнтованому програмуванні - це використання тільки тих характеристик об'єкта, які з достатньою точністю представляють його в даній системі (нічого зайвого). Основна ідея полягає в тому, щоб представити об'єкт мінімальним набором полів і методів і при цьому з достатньою точністю для поставленої задачі.</a:t>
             </a:r>
-            <a:endParaRPr lang="uk-UA" dirty="0">
+          </a:p>
+          <a:p>
+            <a:pPr marL="0" indent="0">
+              <a:buNone/>
+            </a:pPr>
+            <a:endParaRPr lang="uk-UA" sz="1800" dirty="0">
               <a:ea typeface="+mn-lt"/>
               <a:cs typeface="+mn-lt"/>
             </a:endParaRPr>
@@ -6676,23 +6914,14 @@
             <a:pPr marL="0" indent="0">
               <a:buNone/>
             </a:pPr>
-            <a:endParaRPr lang="uk-UA" sz="2000" dirty="0">
-              <a:ea typeface="+mn-lt"/>
-              <a:cs typeface="+mn-lt"/>
-            </a:endParaRPr>
-          </a:p>
-          <a:p>
-            <a:pPr marL="0" indent="0">
-              <a:buNone/>
-            </a:pPr>
-            <a:r>
-              <a:rPr lang="uk-UA" sz="2000" dirty="0">
+            <a:r>
+              <a:rPr lang="uk-UA" sz="1800" dirty="0">
                 <a:ea typeface="+mn-lt"/>
                 <a:cs typeface="+mn-lt"/>
               </a:rPr>
               <a:t>Абстрагування в ООП - це спосіб виділити набір найважливіших характеристик об'єкта, виключаючи неважливі.</a:t>
             </a:r>
-            <a:endParaRPr lang="uk-UA" dirty="0">
+            <a:endParaRPr lang="uk-UA" sz="1800">
               <a:cs typeface="Calibri" panose="020F0502020204030204"/>
             </a:endParaRPr>
           </a:p>
@@ -6720,8 +6949,68 @@
         </p:blipFill>
         <p:spPr>
           <a:xfrm>
-            <a:off x="8712740" y="4176409"/>
-            <a:ext cx="2743200" cy="1828800"/>
+            <a:off x="8721022" y="4640234"/>
+            <a:ext cx="2635527" cy="1754257"/>
+          </a:xfrm>
+          <a:prstGeom prst="rect">
+            <a:avLst/>
+          </a:prstGeom>
+        </p:spPr>
+      </p:pic>
+      <p:pic>
+        <p:nvPicPr>
+          <p:cNvPr id="7" name="Рисунок 7">
+            <a:extLst>
+              <a:ext uri="{FF2B5EF4-FFF2-40B4-BE49-F238E27FC236}">
+                <a16:creationId xmlns:a16="http://schemas.microsoft.com/office/drawing/2014/main" id="{EA53288E-A895-49EE-970B-24D059BB9597}"/>
+              </a:ext>
+            </a:extLst>
+          </p:cNvPr>
+          <p:cNvPicPr>
+            <a:picLocks noChangeAspect="1"/>
+          </p:cNvPicPr>
+          <p:nvPr/>
+        </p:nvPicPr>
+        <p:blipFill>
+          <a:blip r:embed="rId3"/>
+          <a:stretch>
+            <a:fillRect/>
+          </a:stretch>
+        </p:blipFill>
+        <p:spPr>
+          <a:xfrm>
+            <a:off x="839857" y="4706973"/>
+            <a:ext cx="2743200" cy="1618488"/>
+          </a:xfrm>
+          <a:prstGeom prst="rect">
+            <a:avLst/>
+          </a:prstGeom>
+        </p:spPr>
+      </p:pic>
+      <p:pic>
+        <p:nvPicPr>
+          <p:cNvPr id="8" name="Рисунок 8">
+            <a:extLst>
+              <a:ext uri="{FF2B5EF4-FFF2-40B4-BE49-F238E27FC236}">
+                <a16:creationId xmlns:a16="http://schemas.microsoft.com/office/drawing/2014/main" id="{1BFFF28A-2AAB-47C4-89B2-6CB7B7E1012A}"/>
+              </a:ext>
+            </a:extLst>
+          </p:cNvPr>
+          <p:cNvPicPr>
+            <a:picLocks noChangeAspect="1"/>
+          </p:cNvPicPr>
+          <p:nvPr/>
+        </p:nvPicPr>
+        <p:blipFill>
+          <a:blip r:embed="rId4"/>
+          <a:stretch>
+            <a:fillRect/>
+          </a:stretch>
+        </p:blipFill>
+        <p:spPr>
+          <a:xfrm>
+            <a:off x="10721009" y="301827"/>
+            <a:ext cx="631135" cy="589042"/>
           </a:xfrm>
           <a:prstGeom prst="rect">
             <a:avLst/>
@@ -6853,49 +7142,15 @@
               <a:buNone/>
             </a:pPr>
             <a:r>
-              <a:rPr lang="uk-UA" sz="2000">
+              <a:rPr lang="uk-UA" sz="1800" dirty="0">
                 <a:ea typeface="+mn-lt"/>
                 <a:cs typeface="+mn-lt"/>
               </a:rPr>
               <a:t>Абстрактний клас в об'єктно-орієнтованому програмуванні - це базовий клас, що не передбачає створення екземплярів безпосередньо через виклик конструктора, але екземпляр абстрактного класу створюється неявно при побудові екземпляра похідного конкретного класу.</a:t>
             </a:r>
-            <a:endParaRPr lang="uk-UA">
-              <a:ea typeface="+mn-lt"/>
-              <a:cs typeface="+mn-lt"/>
-            </a:endParaRPr>
           </a:p>
         </p:txBody>
       </p:sp>
-      <p:pic>
-        <p:nvPicPr>
-          <p:cNvPr id="5" name="Рисунок 5" descr="Зображення, що містить знімок екрана, пташка&#10;&#10;Опис створено автоматично">
-            <a:extLst>
-              <a:ext uri="{FF2B5EF4-FFF2-40B4-BE49-F238E27FC236}">
-                <a16:creationId xmlns:a16="http://schemas.microsoft.com/office/drawing/2014/main" id="{93A7E543-15BF-4B0C-9731-43F7099D5573}"/>
-              </a:ext>
-            </a:extLst>
-          </p:cNvPr>
-          <p:cNvPicPr>
-            <a:picLocks noChangeAspect="1"/>
-          </p:cNvPicPr>
-          <p:nvPr/>
-        </p:nvPicPr>
-        <p:blipFill>
-          <a:blip r:embed="rId2"/>
-          <a:stretch>
-            <a:fillRect/>
-          </a:stretch>
-        </p:blipFill>
-        <p:spPr>
-          <a:xfrm>
-            <a:off x="1233377" y="4300608"/>
-            <a:ext cx="5888665" cy="826319"/>
-          </a:xfrm>
-          <a:prstGeom prst="rect">
-            <a:avLst/>
-          </a:prstGeom>
-        </p:spPr>
-      </p:pic>
       <p:pic>
         <p:nvPicPr>
           <p:cNvPr id="6" name="Рисунок 6" descr="Зображення, що містить ніж, стіл&#10;&#10;Опис створено автоматично">
@@ -6911,7 +7166,7 @@
           <p:nvPr/>
         </p:nvPicPr>
         <p:blipFill>
-          <a:blip r:embed="rId3"/>
+          <a:blip r:embed="rId2"/>
           <a:stretch>
             <a:fillRect/>
           </a:stretch>
@@ -6941,6 +7196,36 @@
           <p:nvPr/>
         </p:nvPicPr>
         <p:blipFill>
+          <a:blip r:embed="rId3"/>
+          <a:stretch>
+            <a:fillRect/>
+          </a:stretch>
+        </p:blipFill>
+        <p:spPr>
+          <a:xfrm>
+            <a:off x="8681753" y="4590498"/>
+            <a:ext cx="2743200" cy="1747810"/>
+          </a:xfrm>
+          <a:prstGeom prst="rect">
+            <a:avLst/>
+          </a:prstGeom>
+        </p:spPr>
+      </p:pic>
+      <p:pic>
+        <p:nvPicPr>
+          <p:cNvPr id="4" name="Рисунок 8" descr="Зображення, що містить транспорт, літак&#10;&#10;Опис створено автоматично">
+            <a:extLst>
+              <a:ext uri="{FF2B5EF4-FFF2-40B4-BE49-F238E27FC236}">
+                <a16:creationId xmlns:a16="http://schemas.microsoft.com/office/drawing/2014/main" id="{78FD2FAB-8312-4919-B747-CDCD11D48946}"/>
+              </a:ext>
+            </a:extLst>
+          </p:cNvPr>
+          <p:cNvPicPr>
+            <a:picLocks noChangeAspect="1"/>
+          </p:cNvPicPr>
+          <p:nvPr/>
+        </p:nvPicPr>
+        <p:blipFill>
           <a:blip r:embed="rId4"/>
           <a:stretch>
             <a:fillRect/>
@@ -6948,8 +7233,38 @@
         </p:blipFill>
         <p:spPr>
           <a:xfrm>
-            <a:off x="8507819" y="4300607"/>
-            <a:ext cx="2743200" cy="1747810"/>
+            <a:off x="10721009" y="301827"/>
+            <a:ext cx="631135" cy="589042"/>
+          </a:xfrm>
+          <a:prstGeom prst="rect">
+            <a:avLst/>
+          </a:prstGeom>
+        </p:spPr>
+      </p:pic>
+      <p:pic>
+        <p:nvPicPr>
+          <p:cNvPr id="9" name="Рисунок 9" descr="Зображення, що містить текст&#10;&#10;Опис створено автоматично">
+            <a:extLst>
+              <a:ext uri="{FF2B5EF4-FFF2-40B4-BE49-F238E27FC236}">
+                <a16:creationId xmlns:a16="http://schemas.microsoft.com/office/drawing/2014/main" id="{B2923BA8-27C4-4AAE-B094-219E0CD85611}"/>
+              </a:ext>
+            </a:extLst>
+          </p:cNvPr>
+          <p:cNvPicPr>
+            <a:picLocks noChangeAspect="1"/>
+          </p:cNvPicPr>
+          <p:nvPr/>
+        </p:nvPicPr>
+        <p:blipFill>
+          <a:blip r:embed="rId5"/>
+          <a:stretch>
+            <a:fillRect/>
+          </a:stretch>
+        </p:blipFill>
+        <p:spPr>
+          <a:xfrm>
+            <a:off x="1311965" y="4109347"/>
+            <a:ext cx="5650394" cy="1016416"/>
           </a:xfrm>
           <a:prstGeom prst="rect">
             <a:avLst/>
@@ -7047,8 +7362,8 @@
         </p:nvSpPr>
         <p:spPr>
           <a:xfrm>
-            <a:off x="838200" y="1131864"/>
-            <a:ext cx="10515600" cy="5045099"/>
+            <a:off x="838200" y="1181559"/>
+            <a:ext cx="10515600" cy="4995404"/>
           </a:xfrm>
         </p:spPr>
         <p:txBody>
@@ -7061,14 +7376,14 @@
               <a:buNone/>
             </a:pPr>
             <a:r>
-              <a:rPr lang="uk-UA" sz="2000" dirty="0">
+              <a:rPr lang="uk-UA" sz="1800" dirty="0">
                 <a:ea typeface="+mn-lt"/>
                 <a:cs typeface="+mn-lt"/>
               </a:rPr>
               <a:t>Ключове слово </a:t>
             </a:r>
             <a:r>
-              <a:rPr lang="uk-UA" sz="2000" err="1">
+              <a:rPr lang="uk-UA" sz="1800" dirty="0" err="1">
                 <a:solidFill>
                   <a:schemeClr val="accent1"/>
                 </a:solidFill>
@@ -7078,7 +7393,7 @@
               <a:t>abstract</a:t>
             </a:r>
             <a:r>
-              <a:rPr lang="uk-UA" sz="2000" dirty="0">
+              <a:rPr lang="uk-UA" sz="1800" dirty="0">
                 <a:solidFill>
                   <a:schemeClr val="accent1"/>
                 </a:solidFill>
@@ -7088,20 +7403,13 @@
               <a:t> </a:t>
             </a:r>
             <a:r>
-              <a:rPr lang="uk-UA" sz="2000" dirty="0">
+              <a:rPr lang="uk-UA" sz="1800" dirty="0">
                 <a:ea typeface="+mn-lt"/>
                 <a:cs typeface="+mn-lt"/>
               </a:rPr>
-              <a:t>може використовуватися з класами, методами, властивостями, </a:t>
-            </a:r>
-            <a:r>
-              <a:rPr lang="uk-UA" sz="2000">
-                <a:ea typeface="+mn-lt"/>
-                <a:cs typeface="+mn-lt"/>
-              </a:rPr>
-              <a:t>індексаторами і подіями.</a:t>
-            </a:r>
-            <a:endParaRPr lang="uk-UA" sz="2000" dirty="0">
+              <a:t>може використовуватися з класами, методами, властивостями, індексаторами і подіями.</a:t>
+            </a:r>
+            <a:endParaRPr lang="uk-UA" sz="1800" dirty="0">
               <a:cs typeface="Calibri"/>
             </a:endParaRPr>
           </a:p>
@@ -7109,10 +7417,10 @@
       </p:sp>
       <p:pic>
         <p:nvPicPr>
-          <p:cNvPr id="6" name="Рисунок 6" descr="Зображення, що містить сидить, великий, дріт, човен&#10;&#10;Опис створено автоматично">
+          <p:cNvPr id="7" name="Рисунок 7" descr="Зображення, що містить знімок екрана&#10;&#10;Опис створено автоматично">
             <a:extLst>
               <a:ext uri="{FF2B5EF4-FFF2-40B4-BE49-F238E27FC236}">
-                <a16:creationId xmlns:a16="http://schemas.microsoft.com/office/drawing/2014/main" id="{174B0CC3-BF95-43E4-B2BA-4BE6783050AE}"/>
+                <a16:creationId xmlns:a16="http://schemas.microsoft.com/office/drawing/2014/main" id="{CF5363D3-2F2B-45C2-BC4D-5B79BCA350F5}"/>
               </a:ext>
             </a:extLst>
           </p:cNvPr>
@@ -7129,8 +7437,8 @@
         </p:blipFill>
         <p:spPr>
           <a:xfrm>
-            <a:off x="8445796" y="4030311"/>
-            <a:ext cx="2743200" cy="1827657"/>
+            <a:off x="896679" y="1987044"/>
+            <a:ext cx="3115338" cy="4461076"/>
           </a:xfrm>
           <a:prstGeom prst="rect">
             <a:avLst/>
@@ -7139,10 +7447,10 @@
       </p:pic>
       <p:pic>
         <p:nvPicPr>
-          <p:cNvPr id="7" name="Рисунок 7" descr="Зображення, що містить знімок екрана&#10;&#10;Опис створено автоматично">
+          <p:cNvPr id="4" name="Рисунок 8" descr="Зображення, що містить транспорт, літак&#10;&#10;Опис створено автоматично">
             <a:extLst>
               <a:ext uri="{FF2B5EF4-FFF2-40B4-BE49-F238E27FC236}">
-                <a16:creationId xmlns:a16="http://schemas.microsoft.com/office/drawing/2014/main" id="{CF5363D3-2F2B-45C2-BC4D-5B79BCA350F5}"/>
+                <a16:creationId xmlns:a16="http://schemas.microsoft.com/office/drawing/2014/main" id="{28521F58-7534-4918-A32E-C6DAB9283C21}"/>
               </a:ext>
             </a:extLst>
           </p:cNvPr>
@@ -7159,8 +7467,38 @@
         </p:blipFill>
         <p:spPr>
           <a:xfrm>
-            <a:off x="896679" y="1987044"/>
-            <a:ext cx="3115338" cy="4461076"/>
+            <a:off x="10721009" y="301827"/>
+            <a:ext cx="631135" cy="589042"/>
+          </a:xfrm>
+          <a:prstGeom prst="rect">
+            <a:avLst/>
+          </a:prstGeom>
+        </p:spPr>
+      </p:pic>
+      <p:pic>
+        <p:nvPicPr>
+          <p:cNvPr id="5" name="Рисунок 8">
+            <a:extLst>
+              <a:ext uri="{FF2B5EF4-FFF2-40B4-BE49-F238E27FC236}">
+                <a16:creationId xmlns:a16="http://schemas.microsoft.com/office/drawing/2014/main" id="{5672410E-03F7-491B-A841-8EA8333391A3}"/>
+              </a:ext>
+            </a:extLst>
+          </p:cNvPr>
+          <p:cNvPicPr>
+            <a:picLocks noChangeAspect="1"/>
+          </p:cNvPicPr>
+          <p:nvPr/>
+        </p:nvPicPr>
+        <p:blipFill>
+          <a:blip r:embed="rId4"/>
+          <a:stretch>
+            <a:fillRect/>
+          </a:stretch>
+        </p:blipFill>
+        <p:spPr>
+          <a:xfrm>
+            <a:off x="8550965" y="4842723"/>
+            <a:ext cx="2743200" cy="1164771"/>
           </a:xfrm>
           <a:prstGeom prst="rect">
             <a:avLst/>
@@ -7353,6 +7691,66 @@
           <a:xfrm>
             <a:off x="8250865" y="4550735"/>
             <a:ext cx="3496339" cy="1743739"/>
+          </a:xfrm>
+          <a:prstGeom prst="rect">
+            <a:avLst/>
+          </a:prstGeom>
+        </p:spPr>
+      </p:pic>
+      <p:pic>
+        <p:nvPicPr>
+          <p:cNvPr id="4" name="Рисунок 8" descr="Зображення, що містить транспорт, літак&#10;&#10;Опис створено автоматично">
+            <a:extLst>
+              <a:ext uri="{FF2B5EF4-FFF2-40B4-BE49-F238E27FC236}">
+                <a16:creationId xmlns:a16="http://schemas.microsoft.com/office/drawing/2014/main" id="{C1D96469-7258-4111-9204-766119AE20D4}"/>
+              </a:ext>
+            </a:extLst>
+          </p:cNvPr>
+          <p:cNvPicPr>
+            <a:picLocks noChangeAspect="1"/>
+          </p:cNvPicPr>
+          <p:nvPr/>
+        </p:nvPicPr>
+        <p:blipFill>
+          <a:blip r:embed="rId3"/>
+          <a:stretch>
+            <a:fillRect/>
+          </a:stretch>
+        </p:blipFill>
+        <p:spPr>
+          <a:xfrm>
+            <a:off x="10721009" y="301827"/>
+            <a:ext cx="631135" cy="589042"/>
+          </a:xfrm>
+          <a:prstGeom prst="rect">
+            <a:avLst/>
+          </a:prstGeom>
+        </p:spPr>
+      </p:pic>
+      <p:pic>
+        <p:nvPicPr>
+          <p:cNvPr id="7" name="Рисунок 7">
+            <a:extLst>
+              <a:ext uri="{FF2B5EF4-FFF2-40B4-BE49-F238E27FC236}">
+                <a16:creationId xmlns:a16="http://schemas.microsoft.com/office/drawing/2014/main" id="{CB9D98CD-19C4-4085-A317-C01153E26575}"/>
+              </a:ext>
+            </a:extLst>
+          </p:cNvPr>
+          <p:cNvPicPr>
+            <a:picLocks noChangeAspect="1"/>
+          </p:cNvPicPr>
+          <p:nvPr/>
+        </p:nvPicPr>
+        <p:blipFill>
+          <a:blip r:embed="rId4"/>
+          <a:stretch>
+            <a:fillRect/>
+          </a:stretch>
+        </p:blipFill>
+        <p:spPr>
+          <a:xfrm>
+            <a:off x="865946" y="4246907"/>
+            <a:ext cx="1605998" cy="2281859"/>
           </a:xfrm>
           <a:prstGeom prst="rect">
             <a:avLst/>
@@ -7671,6 +8069,66 @@
           </a:prstGeom>
         </p:spPr>
       </p:pic>
+      <p:pic>
+        <p:nvPicPr>
+          <p:cNvPr id="6" name="Рисунок 8" descr="Зображення, що містить транспорт, літак&#10;&#10;Опис створено автоматично">
+            <a:extLst>
+              <a:ext uri="{FF2B5EF4-FFF2-40B4-BE49-F238E27FC236}">
+                <a16:creationId xmlns:a16="http://schemas.microsoft.com/office/drawing/2014/main" id="{59CD0B2F-805F-400A-9C41-C71126A75FDF}"/>
+              </a:ext>
+            </a:extLst>
+          </p:cNvPr>
+          <p:cNvPicPr>
+            <a:picLocks noChangeAspect="1"/>
+          </p:cNvPicPr>
+          <p:nvPr/>
+        </p:nvPicPr>
+        <p:blipFill>
+          <a:blip r:embed="rId6"/>
+          <a:stretch>
+            <a:fillRect/>
+          </a:stretch>
+        </p:blipFill>
+        <p:spPr>
+          <a:xfrm>
+            <a:off x="10721009" y="301827"/>
+            <a:ext cx="631135" cy="589042"/>
+          </a:xfrm>
+          <a:prstGeom prst="rect">
+            <a:avLst/>
+          </a:prstGeom>
+        </p:spPr>
+      </p:pic>
+      <p:pic>
+        <p:nvPicPr>
+          <p:cNvPr id="10" name="Рисунок 10" descr="Зображення, що містить малювання&#10;&#10;Опис створено автоматично">
+            <a:extLst>
+              <a:ext uri="{FF2B5EF4-FFF2-40B4-BE49-F238E27FC236}">
+                <a16:creationId xmlns:a16="http://schemas.microsoft.com/office/drawing/2014/main" id="{3EE1F0F2-25DB-4BB6-AD8B-D7A717FB7755}"/>
+              </a:ext>
+            </a:extLst>
+          </p:cNvPr>
+          <p:cNvPicPr>
+            <a:picLocks noChangeAspect="1"/>
+          </p:cNvPicPr>
+          <p:nvPr/>
+        </p:nvPicPr>
+        <p:blipFill>
+          <a:blip r:embed="rId7"/>
+          <a:stretch>
+            <a:fillRect/>
+          </a:stretch>
+        </p:blipFill>
+        <p:spPr>
+          <a:xfrm>
+            <a:off x="897027" y="4992474"/>
+            <a:ext cx="1460810" cy="1460810"/>
+          </a:xfrm>
+          <a:prstGeom prst="rect">
+            <a:avLst/>
+          </a:prstGeom>
+        </p:spPr>
+      </p:pic>
     </p:spTree>
     <p:extLst>
       <p:ext uri="{BB962C8B-B14F-4D97-AF65-F5344CB8AC3E}">
@@ -7775,8 +8233,8 @@
         </p:nvSpPr>
         <p:spPr>
           <a:xfrm>
-            <a:off x="838200" y="1143237"/>
-            <a:ext cx="10515600" cy="5033726"/>
+            <a:off x="838200" y="1209497"/>
+            <a:ext cx="10515600" cy="4967466"/>
           </a:xfrm>
         </p:spPr>
         <p:txBody>
@@ -7789,14 +8247,14 @@
               <a:buNone/>
             </a:pPr>
             <a:r>
-              <a:rPr lang="uk-UA" sz="2000" dirty="0">
+              <a:rPr lang="uk-UA" sz="1800" dirty="0">
                 <a:ea typeface="+mn-lt"/>
                 <a:cs typeface="+mn-lt"/>
               </a:rPr>
               <a:t>Інтерфейс (</a:t>
             </a:r>
             <a:r>
-              <a:rPr lang="uk-UA" sz="2000" dirty="0" err="1">
+              <a:rPr lang="uk-UA" sz="1800" dirty="0" err="1">
                 <a:solidFill>
                   <a:schemeClr val="accent1"/>
                 </a:solidFill>
@@ -7806,46 +8264,42 @@
               <a:t>interface</a:t>
             </a:r>
             <a:r>
-              <a:rPr lang="uk-UA" sz="2000" dirty="0">
+              <a:rPr lang="uk-UA" sz="1800" dirty="0">
                 <a:ea typeface="+mn-lt"/>
                 <a:cs typeface="+mn-lt"/>
               </a:rPr>
               <a:t>) - це не більш ніж просто іменований набір абстрактних членів. Абстрактні члени не мають ніякої стандартної реалізації.</a:t>
             </a:r>
-            <a:endParaRPr lang="uk-UA" dirty="0">
+          </a:p>
+          <a:p>
+            <a:pPr marL="0" indent="0">
+              <a:buNone/>
+            </a:pPr>
+            <a:endParaRPr lang="uk-UA" sz="1800" dirty="0">
               <a:ea typeface="+mn-lt"/>
               <a:cs typeface="+mn-lt"/>
             </a:endParaRPr>
           </a:p>
           <a:p>
-            <a:pPr marL="0" indent="0">
+            <a:pPr>
               <a:buNone/>
             </a:pPr>
-            <a:endParaRPr lang="uk-UA" sz="2000" dirty="0">
-              <a:ea typeface="+mn-lt"/>
-              <a:cs typeface="+mn-lt"/>
-            </a:endParaRPr>
-          </a:p>
-          <a:p>
-            <a:pPr>
-              <a:buNone/>
-            </a:pPr>
-            <a:r>
-              <a:rPr lang="uk-UA" sz="2000" dirty="0">
+            <a:r>
+              <a:rPr lang="uk-UA" sz="1800" dirty="0">
                 <a:ea typeface="+mn-lt"/>
                 <a:cs typeface="+mn-lt"/>
               </a:rPr>
               <a:t>Для імені інтерфейсу слід застосовувати в якості </a:t>
             </a:r>
             <a:r>
-              <a:rPr lang="uk-UA" sz="2000" dirty="0" err="1">
+              <a:rPr lang="uk-UA" sz="1800" dirty="0" err="1">
                 <a:ea typeface="+mn-lt"/>
                 <a:cs typeface="+mn-lt"/>
               </a:rPr>
               <a:t>префікса</a:t>
             </a:r>
             <a:r>
-              <a:rPr lang="uk-UA" sz="2000" dirty="0">
+              <a:rPr lang="uk-UA" sz="1800" dirty="0">
                 <a:ea typeface="+mn-lt"/>
                 <a:cs typeface="+mn-lt"/>
               </a:rPr>
@@ -7857,13 +8311,15 @@
               <a:buNone/>
             </a:pPr>
             <a:r>
-              <a:rPr lang="uk-UA" sz="2000" dirty="0">
+              <a:rPr lang="uk-UA" sz="1800" dirty="0">
                 <a:ea typeface="+mn-lt"/>
                 <a:cs typeface="+mn-lt"/>
               </a:rPr>
               <a:t>Це підказує, що даний тип є інтерфейсом.</a:t>
             </a:r>
-            <a:endParaRPr lang="uk-UA" dirty="0"/>
+            <a:endParaRPr lang="uk-UA" sz="1800">
+              <a:cs typeface="Calibri"/>
+            </a:endParaRPr>
           </a:p>
         </p:txBody>
       </p:sp>
@@ -7891,6 +8347,66 @@
           <a:xfrm>
             <a:off x="834656" y="3499565"/>
             <a:ext cx="2743200" cy="2020824"/>
+          </a:xfrm>
+          <a:prstGeom prst="rect">
+            <a:avLst/>
+          </a:prstGeom>
+        </p:spPr>
+      </p:pic>
+      <p:pic>
+        <p:nvPicPr>
+          <p:cNvPr id="5" name="Рисунок 5">
+            <a:extLst>
+              <a:ext uri="{FF2B5EF4-FFF2-40B4-BE49-F238E27FC236}">
+                <a16:creationId xmlns:a16="http://schemas.microsoft.com/office/drawing/2014/main" id="{4935D70D-6296-4A34-8383-2F1AF578E37B}"/>
+              </a:ext>
+            </a:extLst>
+          </p:cNvPr>
+          <p:cNvPicPr>
+            <a:picLocks noChangeAspect="1"/>
+          </p:cNvPicPr>
+          <p:nvPr/>
+        </p:nvPicPr>
+        <p:blipFill>
+          <a:blip r:embed="rId3"/>
+          <a:stretch>
+            <a:fillRect/>
+          </a:stretch>
+        </p:blipFill>
+        <p:spPr>
+          <a:xfrm>
+            <a:off x="10897013" y="485775"/>
+            <a:ext cx="386799" cy="386799"/>
+          </a:xfrm>
+          <a:prstGeom prst="rect">
+            <a:avLst/>
+          </a:prstGeom>
+        </p:spPr>
+      </p:pic>
+      <p:pic>
+        <p:nvPicPr>
+          <p:cNvPr id="6" name="Рисунок 6" descr="Зображення, що містить малювання&#10;&#10;Опис створено автоматично">
+            <a:extLst>
+              <a:ext uri="{FF2B5EF4-FFF2-40B4-BE49-F238E27FC236}">
+                <a16:creationId xmlns:a16="http://schemas.microsoft.com/office/drawing/2014/main" id="{4518360B-F3ED-4EEB-8CD0-422D80C8AEB4}"/>
+              </a:ext>
+            </a:extLst>
+          </p:cNvPr>
+          <p:cNvPicPr>
+            <a:picLocks noChangeAspect="1"/>
+          </p:cNvPicPr>
+          <p:nvPr/>
+        </p:nvPicPr>
+        <p:blipFill>
+          <a:blip r:embed="rId4"/>
+          <a:stretch>
+            <a:fillRect/>
+          </a:stretch>
+        </p:blipFill>
+        <p:spPr>
+          <a:xfrm>
+            <a:off x="9180444" y="4054618"/>
+            <a:ext cx="2113722" cy="2219176"/>
           </a:xfrm>
           <a:prstGeom prst="rect">
             <a:avLst/>
@@ -7984,8 +8500,8 @@
         </p:nvSpPr>
         <p:spPr>
           <a:xfrm>
-            <a:off x="838200" y="1109118"/>
-            <a:ext cx="10515600" cy="5067845"/>
+            <a:off x="838200" y="1180772"/>
+            <a:ext cx="10515600" cy="4996191"/>
           </a:xfrm>
         </p:spPr>
         <p:txBody>
@@ -8119,8 +8635,68 @@
         </p:blipFill>
         <p:spPr>
           <a:xfrm>
-            <a:off x="6195238" y="4185791"/>
+            <a:off x="4210109" y="4171537"/>
             <a:ext cx="3186223" cy="2464768"/>
+          </a:xfrm>
+          <a:prstGeom prst="rect">
+            <a:avLst/>
+          </a:prstGeom>
+        </p:spPr>
+      </p:pic>
+      <p:pic>
+        <p:nvPicPr>
+          <p:cNvPr id="4" name="Рисунок 5">
+            <a:extLst>
+              <a:ext uri="{FF2B5EF4-FFF2-40B4-BE49-F238E27FC236}">
+                <a16:creationId xmlns:a16="http://schemas.microsoft.com/office/drawing/2014/main" id="{764FCBBE-CBB8-4F30-959E-712DC6004D21}"/>
+              </a:ext>
+            </a:extLst>
+          </p:cNvPr>
+          <p:cNvPicPr>
+            <a:picLocks noChangeAspect="1"/>
+          </p:cNvPicPr>
+          <p:nvPr/>
+        </p:nvPicPr>
+        <p:blipFill>
+          <a:blip r:embed="rId4"/>
+          <a:stretch>
+            <a:fillRect/>
+          </a:stretch>
+        </p:blipFill>
+        <p:spPr>
+          <a:xfrm>
+            <a:off x="10897013" y="485775"/>
+            <a:ext cx="386799" cy="386799"/>
+          </a:xfrm>
+          <a:prstGeom prst="rect">
+            <a:avLst/>
+          </a:prstGeom>
+        </p:spPr>
+      </p:pic>
+      <p:pic>
+        <p:nvPicPr>
+          <p:cNvPr id="9" name="Рисунок 9">
+            <a:extLst>
+              <a:ext uri="{FF2B5EF4-FFF2-40B4-BE49-F238E27FC236}">
+                <a16:creationId xmlns:a16="http://schemas.microsoft.com/office/drawing/2014/main" id="{B794275C-BD61-4D0B-A1B9-D5B4D13B2752}"/>
+              </a:ext>
+            </a:extLst>
+          </p:cNvPr>
+          <p:cNvPicPr>
+            <a:picLocks noChangeAspect="1"/>
+          </p:cNvPicPr>
+          <p:nvPr/>
+        </p:nvPicPr>
+        <p:blipFill>
+          <a:blip r:embed="rId5"/>
+          <a:stretch>
+            <a:fillRect/>
+          </a:stretch>
+        </p:blipFill>
+        <p:spPr>
+          <a:xfrm>
+            <a:off x="8286307" y="4357216"/>
+            <a:ext cx="3000153" cy="2245963"/>
           </a:xfrm>
           <a:prstGeom prst="rect">
             <a:avLst/>
@@ -8217,8 +8793,8 @@
         </p:nvSpPr>
         <p:spPr>
           <a:xfrm>
-            <a:off x="838200" y="1131864"/>
-            <a:ext cx="10515600" cy="5045099"/>
+            <a:off x="838200" y="1305798"/>
+            <a:ext cx="10515600" cy="4871165"/>
           </a:xfrm>
         </p:spPr>
         <p:txBody>
@@ -8229,67 +8805,67 @@
           <a:p>
             <a:pPr marL="182880" indent="-182880"/>
             <a:r>
-              <a:rPr lang="uk-UA" sz="2000" dirty="0">
+              <a:rPr lang="uk-UA" sz="1800" dirty="0">
                 <a:ea typeface="+mn-lt"/>
                 <a:cs typeface="+mn-lt"/>
               </a:rPr>
               <a:t>Інтерфейс може успадковуватися від одного або декількох базових інтерфейсів.</a:t>
             </a:r>
-            <a:endParaRPr lang="uk-UA" sz="2000" dirty="0">
+            <a:endParaRPr lang="uk-UA" sz="1800">
               <a:cs typeface="Calibri"/>
             </a:endParaRPr>
           </a:p>
           <a:p>
             <a:pPr marL="182880" indent="-182880"/>
             <a:r>
-              <a:rPr lang="uk-UA" sz="2000" dirty="0">
+              <a:rPr lang="uk-UA" sz="1800" dirty="0">
                 <a:ea typeface="+mn-lt"/>
                 <a:cs typeface="+mn-lt"/>
               </a:rPr>
               <a:t>Базовий клас також може реалізувати члени інтерфейсу за допомогою віртуальних членів. В цьому випадку похідний клас може змінити поведінку інтерфейсу шляхом </a:t>
             </a:r>
             <a:r>
-              <a:rPr lang="uk-UA" sz="2000" dirty="0" err="1">
+              <a:rPr lang="uk-UA" sz="1800" dirty="0" err="1">
                 <a:ea typeface="+mn-lt"/>
                 <a:cs typeface="+mn-lt"/>
               </a:rPr>
               <a:t>перевизначення</a:t>
             </a:r>
             <a:r>
-              <a:rPr lang="uk-UA" sz="2000" dirty="0">
+              <a:rPr lang="uk-UA" sz="1800" dirty="0">
                 <a:ea typeface="+mn-lt"/>
                 <a:cs typeface="+mn-lt"/>
               </a:rPr>
               <a:t> віртуальних членів.</a:t>
             </a:r>
-            <a:endParaRPr lang="uk-UA" sz="2000" dirty="0">
+            <a:endParaRPr lang="uk-UA" sz="1800">
               <a:cs typeface="Calibri"/>
             </a:endParaRPr>
           </a:p>
           <a:p>
             <a:pPr marL="182880" indent="-182880"/>
             <a:r>
-              <a:rPr lang="uk-UA" sz="2000" dirty="0">
+              <a:rPr lang="uk-UA" sz="1800" dirty="0">
                 <a:ea typeface="+mn-lt"/>
                 <a:cs typeface="+mn-lt"/>
               </a:rPr>
               <a:t>Якщо клас реалізує два інтерфейси, що містять член з однаковою сигнатурою, то при реалізації цього члена в класі обидва інтерфейсу будуть використовувати цей член для своєї реалізації.</a:t>
             </a:r>
-            <a:endParaRPr lang="uk-UA" sz="2000" dirty="0">
+            <a:endParaRPr lang="uk-UA" sz="1800">
               <a:cs typeface="Calibri"/>
             </a:endParaRPr>
           </a:p>
           <a:p>
             <a:pPr marL="182880" indent="-182880"/>
             <a:r>
-              <a:rPr lang="uk-UA" sz="2000" dirty="0">
+              <a:rPr lang="uk-UA" sz="1800" dirty="0">
                 <a:ea typeface="+mn-lt"/>
                 <a:cs typeface="+mn-lt"/>
               </a:rPr>
               <a:t>Якщо члени двох інтерфейсів з однаковою сигнатурою методів повинні виконувати різні дії при їх реалізації, необхідно скористатися явною реалізацією члена інтерфейсу - технікою явного вказівки в імені члена імені інтерфейсу, якому належить даний член. Це досягається шляхом включення в ім'я члена класу імені інтерфейсу з точкою. Даний член в похідному класі буде позначений за замовчуванням як </a:t>
             </a:r>
             <a:r>
-              <a:rPr lang="uk-UA" sz="2000" dirty="0" err="1">
+              <a:rPr lang="uk-UA" sz="1800" dirty="0" err="1">
                 <a:solidFill>
                   <a:schemeClr val="accent1"/>
                 </a:solidFill>
@@ -8299,18 +8875,78 @@
               <a:t>private</a:t>
             </a:r>
             <a:r>
-              <a:rPr lang="uk-UA" sz="2000" dirty="0">
+              <a:rPr lang="uk-UA" sz="1800" dirty="0">
                 <a:ea typeface="+mn-lt"/>
                 <a:cs typeface="+mn-lt"/>
               </a:rPr>
               <a:t>.</a:t>
             </a:r>
-            <a:endParaRPr lang="uk-UA" sz="2000" dirty="0">
+            <a:endParaRPr lang="uk-UA" sz="1800">
               <a:cs typeface="Calibri"/>
             </a:endParaRPr>
           </a:p>
         </p:txBody>
       </p:sp>
+      <p:pic>
+        <p:nvPicPr>
+          <p:cNvPr id="5" name="Рисунок 5">
+            <a:extLst>
+              <a:ext uri="{FF2B5EF4-FFF2-40B4-BE49-F238E27FC236}">
+                <a16:creationId xmlns:a16="http://schemas.microsoft.com/office/drawing/2014/main" id="{709C6D46-95A0-40DE-B9B2-2560C531B4B8}"/>
+              </a:ext>
+            </a:extLst>
+          </p:cNvPr>
+          <p:cNvPicPr>
+            <a:picLocks noChangeAspect="1"/>
+          </p:cNvPicPr>
+          <p:nvPr/>
+        </p:nvPicPr>
+        <p:blipFill>
+          <a:blip r:embed="rId2"/>
+          <a:stretch>
+            <a:fillRect/>
+          </a:stretch>
+        </p:blipFill>
+        <p:spPr>
+          <a:xfrm>
+            <a:off x="10897013" y="485775"/>
+            <a:ext cx="386799" cy="386799"/>
+          </a:xfrm>
+          <a:prstGeom prst="rect">
+            <a:avLst/>
+          </a:prstGeom>
+        </p:spPr>
+      </p:pic>
+      <p:pic>
+        <p:nvPicPr>
+          <p:cNvPr id="6" name="Рисунок 6">
+            <a:extLst>
+              <a:ext uri="{FF2B5EF4-FFF2-40B4-BE49-F238E27FC236}">
+                <a16:creationId xmlns:a16="http://schemas.microsoft.com/office/drawing/2014/main" id="{3ED07198-589E-42C1-A503-25866A25650C}"/>
+              </a:ext>
+            </a:extLst>
+          </p:cNvPr>
+          <p:cNvPicPr>
+            <a:picLocks noChangeAspect="1"/>
+          </p:cNvPicPr>
+          <p:nvPr/>
+        </p:nvPicPr>
+        <p:blipFill>
+          <a:blip r:embed="rId3"/>
+          <a:stretch>
+            <a:fillRect/>
+          </a:stretch>
+        </p:blipFill>
+        <p:spPr>
+          <a:xfrm>
+            <a:off x="928462" y="5256464"/>
+            <a:ext cx="2743200" cy="1030717"/>
+          </a:xfrm>
+          <a:prstGeom prst="rect">
+            <a:avLst/>
+          </a:prstGeom>
+        </p:spPr>
+      </p:pic>
     </p:spTree>
     <p:extLst>
       <p:ext uri="{BB962C8B-B14F-4D97-AF65-F5344CB8AC3E}">
